--- a/docs/resource/Insurance/Figures.pptx
+++ b/docs/resource/Insurance/Figures.pptx
@@ -214,7 +214,7 @@
             <a:fld id="{E9F3A7FF-300E-B84F-A2D0-CDCDE713DCB9}" type="datetimeFigureOut">
               <a:rPr lang="en-US" smtClean="0"/>
               <a:pPr/>
-              <a:t>10/21/21</a:t>
+              <a:t>10/30/21</a:t>
             </a:fld>
             <a:endParaRPr lang="en-US" dirty="0"/>
           </a:p>
@@ -1157,7 +1157,7 @@
             <a:fld id="{12CEF10F-437A-1E47-9122-F08C813F0AE8}" type="datetime4">
               <a:rPr lang="en-CA" smtClean="0"/>
               <a:pPr/>
-              <a:t>October 21, 2021</a:t>
+              <a:t>October 30, 2021</a:t>
             </a:fld>
             <a:endParaRPr lang="en-US" dirty="0"/>
           </a:p>
@@ -1941,7 +1941,7 @@
             <a:fld id="{12CEF10F-437A-1E47-9122-F08C813F0AE8}" type="datetime4">
               <a:rPr lang="en-CA" smtClean="0"/>
               <a:pPr/>
-              <a:t>October 21, 2021</a:t>
+              <a:t>October 30, 2021</a:t>
             </a:fld>
             <a:endParaRPr lang="en-US" dirty="0"/>
           </a:p>
@@ -2236,7 +2236,7 @@
             <a:fld id="{12CEF10F-437A-1E47-9122-F08C813F0AE8}" type="datetime4">
               <a:rPr lang="en-CA" smtClean="0"/>
               <a:pPr/>
-              <a:t>October 21, 2021</a:t>
+              <a:t>October 30, 2021</a:t>
             </a:fld>
             <a:endParaRPr lang="en-US" dirty="0"/>
           </a:p>
@@ -2415,7 +2415,7 @@
             <a:fld id="{12CEF10F-437A-1E47-9122-F08C813F0AE8}" type="datetime4">
               <a:rPr lang="en-CA" smtClean="0"/>
               <a:pPr/>
-              <a:t>October 21, 2021</a:t>
+              <a:t>October 30, 2021</a:t>
             </a:fld>
             <a:endParaRPr lang="en-US" dirty="0"/>
           </a:p>
@@ -2707,7 +2707,7 @@
             <a:fld id="{12CEF10F-437A-1E47-9122-F08C813F0AE8}" type="datetime4">
               <a:rPr lang="en-CA" smtClean="0"/>
               <a:pPr/>
-              <a:t>October 21, 2021</a:t>
+              <a:t>October 30, 2021</a:t>
             </a:fld>
             <a:endParaRPr lang="en-US" dirty="0"/>
           </a:p>
@@ -2926,7 +2926,7 @@
             <a:fld id="{12CEF10F-437A-1E47-9122-F08C813F0AE8}" type="datetime4">
               <a:rPr lang="en-CA" smtClean="0"/>
               <a:pPr/>
-              <a:t>October 21, 2021</a:t>
+              <a:t>October 30, 2021</a:t>
             </a:fld>
             <a:endParaRPr lang="en-US" dirty="0"/>
           </a:p>
@@ -3396,7 +3396,7 @@
             <a:fld id="{12CEF10F-437A-1E47-9122-F08C813F0AE8}" type="datetime4">
               <a:rPr lang="en-CA" smtClean="0"/>
               <a:pPr/>
-              <a:t>October 21, 2021</a:t>
+              <a:t>October 30, 2021</a:t>
             </a:fld>
             <a:endParaRPr lang="en-US" dirty="0"/>
           </a:p>
@@ -3907,7 +3907,7 @@
             <a:fld id="{12CEF10F-437A-1E47-9122-F08C813F0AE8}" type="datetime4">
               <a:rPr lang="en-CA" smtClean="0"/>
               <a:pPr/>
-              <a:t>October 21, 2021</a:t>
+              <a:t>October 30, 2021</a:t>
             </a:fld>
             <a:endParaRPr lang="en-US" dirty="0"/>
           </a:p>
@@ -4420,7 +4420,7 @@
             <a:fld id="{12CEF10F-437A-1E47-9122-F08C813F0AE8}" type="datetime4">
               <a:rPr lang="en-CA" smtClean="0"/>
               <a:pPr/>
-              <a:t>October 21, 2021</a:t>
+              <a:t>October 30, 2021</a:t>
             </a:fld>
             <a:endParaRPr lang="en-US" dirty="0"/>
           </a:p>
@@ -5300,8 +5300,8 @@
           </p:nvSpPr>
           <p:spPr>
             <a:xfrm>
-              <a:off x="4005262" y="3288498"/>
-              <a:ext cx="885826" cy="202405"/>
+              <a:off x="3681401" y="3288498"/>
+              <a:ext cx="1581157" cy="202405"/>
             </a:xfrm>
             <a:prstGeom prst="roundRect">
               <a:avLst/>
@@ -5328,7 +5328,15 @@
               <a:pPr algn="ctr"/>
               <a:r>
                 <a:rPr lang="en-US" altLang="zh-CN" sz="1200" dirty="0"/>
-                <a:t>TAs/RAs</a:t>
+                <a:t>TAs/RAs/Post</a:t>
+              </a:r>
+              <a:r>
+                <a:rPr lang="zh-CN" altLang="en-US" sz="1200" dirty="0"/>
+                <a:t> </a:t>
+              </a:r>
+              <a:r>
+                <a:rPr lang="en-US" altLang="zh-CN" sz="1200" dirty="0"/>
+                <a:t>Docs</a:t>
               </a:r>
               <a:endParaRPr lang="en-US" sz="1200" dirty="0"/>
             </a:p>
@@ -5397,10 +5405,10 @@
         </p:nvGrpSpPr>
         <p:grpSpPr>
           <a:xfrm>
-            <a:off x="583409" y="1058465"/>
-            <a:ext cx="5555454" cy="327421"/>
-            <a:chOff x="583409" y="1058465"/>
-            <a:chExt cx="5555454" cy="327421"/>
+            <a:off x="583409" y="1120972"/>
+            <a:ext cx="5407813" cy="209551"/>
+            <a:chOff x="583409" y="1120972"/>
+            <a:chExt cx="5407813" cy="209551"/>
           </a:xfrm>
         </p:grpSpPr>
         <p:sp>
@@ -5513,7 +5521,7 @@
           </p:nvSpPr>
           <p:spPr>
             <a:xfrm>
-              <a:off x="3117057" y="1120972"/>
+              <a:off x="3255175" y="1120972"/>
               <a:ext cx="1004887" cy="202405"/>
             </a:xfrm>
             <a:prstGeom prst="roundRect">
@@ -5569,8 +5577,8 @@
           </p:nvSpPr>
           <p:spPr>
             <a:xfrm>
-              <a:off x="4243388" y="1058465"/>
-              <a:ext cx="1895475" cy="327421"/>
+              <a:off x="4502938" y="1120972"/>
+              <a:ext cx="1488284" cy="209549"/>
             </a:xfrm>
             <a:prstGeom prst="roundRect">
               <a:avLst/>
@@ -5597,7 +5605,7 @@
               <a:pPr algn="ctr"/>
               <a:r>
                 <a:rPr lang="en-CA" sz="1200" dirty="0"/>
-                <a:t>We Speak Student/ACL Student Benefits</a:t>
+                <a:t>We Speak Student</a:t>
               </a:r>
               <a:endParaRPr lang="en-US" sz="1000" dirty="0"/>
             </a:p>
@@ -5879,9 +5887,9 @@
           <p:nvPr/>
         </p:nvCxnSpPr>
         <p:spPr>
-          <a:xfrm rot="5400000">
-            <a:off x="3434063" y="799802"/>
-            <a:ext cx="506609" cy="135731"/>
+          <a:xfrm rot="16200000" flipH="1">
+            <a:off x="3503121" y="866473"/>
+            <a:ext cx="506609" cy="2387"/>
           </a:xfrm>
           <a:prstGeom prst="bentConnector3">
             <a:avLst/>
@@ -5923,12 +5931,12 @@
         </p:nvCxnSpPr>
         <p:spPr>
           <a:xfrm rot="16200000" flipH="1">
-            <a:off x="3629326" y="1313552"/>
-            <a:ext cx="809024" cy="828674"/>
+            <a:off x="3710287" y="1370708"/>
+            <a:ext cx="809024" cy="714361"/>
           </a:xfrm>
           <a:prstGeom prst="bentConnector3">
             <a:avLst>
-              <a:gd name="adj1" fmla="val 32929"/>
+              <a:gd name="adj1" fmla="val 33517"/>
             </a:avLst>
           </a:prstGeom>
           <a:ln>
@@ -5968,8 +5976,8 @@
         </p:nvCxnSpPr>
         <p:spPr>
           <a:xfrm rot="5400000">
-            <a:off x="5108378" y="704254"/>
-            <a:ext cx="436959" cy="271462"/>
+            <a:off x="5105101" y="763485"/>
+            <a:ext cx="499466" cy="215508"/>
           </a:xfrm>
           <a:prstGeom prst="bentConnector3">
             <a:avLst/>
@@ -6011,8 +6019,8 @@
         </p:nvCxnSpPr>
         <p:spPr>
           <a:xfrm rot="16200000" flipH="1">
-            <a:off x="5036941" y="1540070"/>
-            <a:ext cx="463150" cy="154781"/>
+            <a:off x="5037236" y="1540364"/>
+            <a:ext cx="518515" cy="98827"/>
           </a:xfrm>
           <a:prstGeom prst="bentConnector3">
             <a:avLst/>
